--- a/words and ppts/主PPT.pptx
+++ b/words and ppts/主PPT.pptx
@@ -6,7 +6,8 @@
   </p:sldMasterIdLst>
   <p:sldIdLst>
     <p:sldId id="256" r:id="rId3"/>
-    <p:sldId id="257" r:id="rId4"/>
+    <p:sldId id="258" r:id="rId4"/>
+    <p:sldId id="257" r:id="rId5"/>
   </p:sldIdLst>
   <p:sldSz cx="12192000" cy="6858000"/>
   <p:notesSz cx="6858000" cy="9144000"/>
@@ -3752,50 +3753,183 @@
         <p:nvPr/>
       </p:nvGrpSpPr>
       <p:grpSpPr/>
-      <p:sp>
-        <p:nvSpPr>
-          <p:cNvPr id="2" name="标题 1"/>
-          <p:cNvSpPr>
-            <a:spLocks noGrp="1"/>
-          </p:cNvSpPr>
-          <p:nvPr>
-            <p:ph type="title"/>
-          </p:nvPr>
-        </p:nvSpPr>
-        <p:spPr/>
-        <p:txBody>
-          <a:bodyPr/>
-          <a:p>
-            <a:endParaRPr lang="zh-CN" altLang="en-US"/>
-          </a:p>
-        </p:txBody>
-      </p:sp>
-      <p:sp>
-        <p:nvSpPr>
-          <p:cNvPr id="3" name="内容占位符 2"/>
-          <p:cNvSpPr>
-            <a:spLocks noGrp="1"/>
-          </p:cNvSpPr>
+      <p:pic>
+        <p:nvPicPr>
+          <p:cNvPr id="4" name="内容占位符 3" descr="美国国家地图2"/>
+          <p:cNvPicPr>
+            <a:picLocks noChangeAspect="1"/>
+          </p:cNvPicPr>
           <p:nvPr>
             <p:ph idx="1"/>
-          </p:nvPr>
-        </p:nvSpPr>
-        <p:spPr/>
-        <p:txBody>
-          <a:bodyPr/>
-          <a:p>
-            <a:endParaRPr lang="zh-CN" altLang="en-US"/>
-          </a:p>
-        </p:txBody>
-      </p:sp>
+            <p:custDataLst>
+              <p:tags r:id="rId1"/>
+            </p:custDataLst>
+          </p:nvPr>
+        </p:nvPicPr>
+        <p:blipFill>
+          <a:blip r:embed="rId2"/>
+          <a:stretch>
+            <a:fillRect/>
+          </a:stretch>
+        </p:blipFill>
+        <p:spPr>
+          <a:xfrm>
+            <a:off x="5943600" y="2586990"/>
+            <a:ext cx="5317490" cy="3817620"/>
+          </a:xfrm>
+          <a:prstGeom prst="rect">
+            <a:avLst/>
+          </a:prstGeom>
+        </p:spPr>
+      </p:pic>
+      <p:pic>
+        <p:nvPicPr>
+          <p:cNvPr id="7" name="图片 6" descr="国土分布"/>
+          <p:cNvPicPr>
+            <a:picLocks noChangeAspect="1"/>
+          </p:cNvPicPr>
+          <p:nvPr/>
+        </p:nvPicPr>
+        <p:blipFill>
+          <a:blip r:embed="rId3"/>
+          <a:stretch>
+            <a:fillRect/>
+          </a:stretch>
+        </p:blipFill>
+        <p:spPr>
+          <a:xfrm>
+            <a:off x="554990" y="377825"/>
+            <a:ext cx="4946650" cy="6101715"/>
+          </a:xfrm>
+          <a:prstGeom prst="rect">
+            <a:avLst/>
+          </a:prstGeom>
+        </p:spPr>
+      </p:pic>
     </p:spTree>
     <p:custDataLst>
-      <p:tags r:id="rId1"/>
+      <p:tags r:id="rId4"/>
     </p:custDataLst>
   </p:cSld>
   <p:clrMapOvr>
     <a:masterClrMapping/>
   </p:clrMapOvr>
+</p:sld>
+</file>
+
+<file path=ppt/slides/slide3.xml><?xml version="1.0" encoding="utf-8"?>
+<p:sld xmlns:a="http://schemas.openxmlformats.org/drawingml/2006/main" xmlns:r="http://schemas.openxmlformats.org/officeDocument/2006/relationships" xmlns:p="http://schemas.openxmlformats.org/presentationml/2006/main">
+  <p:cSld>
+    <p:spTree>
+      <p:nvGrpSpPr>
+        <p:cNvPr id="1" name=""/>
+        <p:cNvGrpSpPr/>
+        <p:nvPr/>
+      </p:nvGrpSpPr>
+      <p:grpSpPr/>
+      <p:pic>
+        <p:nvPicPr>
+          <p:cNvPr id="4" name="内容占位符 3" descr="OIP-C"/>
+          <p:cNvPicPr>
+            <a:picLocks noChangeAspect="1"/>
+          </p:cNvPicPr>
+          <p:nvPr>
+            <p:ph idx="1"/>
+          </p:nvPr>
+        </p:nvPicPr>
+        <p:blipFill>
+          <a:blip r:embed="rId1"/>
+          <a:stretch>
+            <a:fillRect/>
+          </a:stretch>
+        </p:blipFill>
+        <p:spPr>
+          <a:xfrm>
+            <a:off x="163830" y="669925"/>
+            <a:ext cx="4414520" cy="5247005"/>
+          </a:xfrm>
+          <a:prstGeom prst="rect">
+            <a:avLst/>
+          </a:prstGeom>
+        </p:spPr>
+      </p:pic>
+      <p:sp>
+        <p:nvSpPr>
+          <p:cNvPr id="5" name="文本框 4"/>
+          <p:cNvSpPr txBox="1"/>
+          <p:nvPr/>
+        </p:nvSpPr>
+        <p:spPr>
+          <a:xfrm>
+            <a:off x="4619625" y="1028065"/>
+            <a:ext cx="7341235" cy="368300"/>
+          </a:xfrm>
+          <a:prstGeom prst="rect">
+            <a:avLst/>
+          </a:prstGeom>
+          <a:noFill/>
+        </p:spPr>
+        <p:txBody>
+          <a:bodyPr wrap="square" rtlCol="0">
+            <a:spAutoFit/>
+          </a:bodyPr>
+          <a:p>
+            <a:r>
+              <a:rPr lang="en-US" altLang="zh-CN"/>
+              <a:t>.</a:t>
+            </a:r>
+            <a:endParaRPr lang="en-US" altLang="zh-CN"/>
+          </a:p>
+        </p:txBody>
+      </p:sp>
+      <p:pic>
+        <p:nvPicPr>
+          <p:cNvPr id="6" name="内容占位符 3" descr="美国国家地图2"/>
+          <p:cNvPicPr>
+            <a:picLocks noChangeAspect="1"/>
+          </p:cNvPicPr>
+          <p:nvPr>
+            <p:custDataLst>
+              <p:tags r:id="rId2"/>
+            </p:custDataLst>
+          </p:nvPr>
+        </p:nvPicPr>
+        <p:blipFill>
+          <a:blip r:embed="rId3"/>
+          <a:stretch>
+            <a:fillRect/>
+          </a:stretch>
+        </p:blipFill>
+        <p:spPr>
+          <a:xfrm flipH="1" flipV="1">
+            <a:off x="9512300" y="6998970"/>
+            <a:ext cx="76200" cy="76200"/>
+          </a:xfrm>
+          <a:prstGeom prst="rect">
+            <a:avLst/>
+          </a:prstGeom>
+        </p:spPr>
+      </p:pic>
+    </p:spTree>
+    <p:custDataLst>
+      <p:tags r:id="rId4"/>
+    </p:custDataLst>
+  </p:cSld>
+  <p:clrMapOvr>
+    <a:masterClrMapping/>
+  </p:clrMapOvr>
+  <mc:AlternateContent xmlns:mc="http://schemas.openxmlformats.org/markup-compatibility/2006" xmlns:p159="http://schemas.microsoft.com/office/powerpoint/2015/09/main">
+    <mc:Choice Requires="p159">
+      <p:transition xmlns:p14="http://schemas.microsoft.com/office/powerpoint/2010/main" spd="slow" p14:dur="2000">
+        <p159:morph option="byObject"/>
+      </p:transition>
+    </mc:Choice>
+    <mc:Fallback>
+      <p:transition spd="slow">
+        <p:fade/>
+      </p:transition>
+    </mc:Fallback>
+  </mc:AlternateContent>
 </p:sld>
 </file>
 
@@ -4633,6 +4767,26 @@
 </file>
 
 <file path=ppt/tags/tag66.xml><?xml version="1.0" encoding="utf-8"?>
+<p:tagLst xmlns:p="http://schemas.openxmlformats.org/presentationml/2006/main">
+  <p:tag name="KSO_WM_UNIT_PLACING_PICTURE_USER_VIEWPORT" val="{&quot;height&quot;:6012,&quot;width&quot;:8374}"/>
+</p:tagLst>
+</file>
+
+<file path=ppt/tags/tag67.xml><?xml version="1.0" encoding="utf-8"?>
+<p:tagLst xmlns:p="http://schemas.openxmlformats.org/presentationml/2006/main">
+  <p:tag name="KSO_WM_BEAUTIFY_FLAG" val="#wm#"/>
+  <p:tag name="KSO_WM_TEMPLATE_CATEGORY" val="custom"/>
+  <p:tag name="KSO_WM_TEMPLATE_INDEX" val="20205081"/>
+</p:tagLst>
+</file>
+
+<file path=ppt/tags/tag68.xml><?xml version="1.0" encoding="utf-8"?>
+<p:tagLst xmlns:p="http://schemas.openxmlformats.org/presentationml/2006/main">
+  <p:tag name="KSO_WM_UNIT_PLACING_PICTURE_USER_VIEWPORT" val="{&quot;height&quot;:6012,&quot;width&quot;:8374}"/>
+</p:tagLst>
+</file>
+
+<file path=ppt/tags/tag69.xml><?xml version="1.0" encoding="utf-8"?>
 <p:tagLst xmlns:p="http://schemas.openxmlformats.org/presentationml/2006/main">
   <p:tag name="KSO_WM_BEAUTIFY_FLAG" val="#wm#"/>
   <p:tag name="KSO_WM_TEMPLATE_CATEGORY" val="custom"/>
